--- a/Documentatie/Richard & Nina Adapter pattern dingen/Design Patterns - Adapter.pptx
+++ b/Documentatie/Richard & Nina Adapter pattern dingen/Design Patterns - Adapter.pptx
@@ -5,7 +5,7 @@
     <p:sldMasterId id="2147483648" r:id="rId1"/>
   </p:sldMasterIdLst>
   <p:notesMasterIdLst>
-    <p:notesMasterId r:id="rId9"/>
+    <p:notesMasterId r:id="rId10"/>
   </p:notesMasterIdLst>
   <p:sldIdLst>
     <p:sldId id="256" r:id="rId2"/>
@@ -13,8 +13,9 @@
     <p:sldId id="257" r:id="rId4"/>
     <p:sldId id="260" r:id="rId5"/>
     <p:sldId id="267" r:id="rId6"/>
-    <p:sldId id="264" r:id="rId7"/>
-    <p:sldId id="265" r:id="rId8"/>
+    <p:sldId id="268" r:id="rId7"/>
+    <p:sldId id="264" r:id="rId8"/>
+    <p:sldId id="265" r:id="rId9"/>
   </p:sldIdLst>
   <p:sldSz cx="12192000" cy="6858000"/>
   <p:notesSz cx="6858000" cy="9144000"/>
@@ -113,6 +114,11 @@
       </a:defRPr>
     </a:lvl9pPr>
   </p:defaultTextStyle>
+  <p:extLst>
+    <p:ext uri="{EFAFB233-063F-42B5-8137-9DF3F51BA10A}">
+      <p15:sldGuideLst xmlns:p15="http://schemas.microsoft.com/office/powerpoint/2012/main"/>
+    </p:ext>
+  </p:extLst>
 </p:presentation>
 </file>
 
@@ -198,7 +204,7 @@
           <a:p>
             <a:fld id="{946C5828-4D7D-483D-BECD-31CE810B0851}" type="datetimeFigureOut">
               <a:rPr lang="nl-NL" smtClean="0"/>
-              <a:t>15-1-2021</a:t>
+              <a:t>17-01-2021</a:t>
             </a:fld>
             <a:endParaRPr lang="nl-NL"/>
           </a:p>
@@ -612,7 +618,7 @@
           <a:p>
             <a:fld id="{99B1010E-1963-4272-B589-7CFD5FDDE5FB}" type="datetimeFigureOut">
               <a:rPr lang="nl-NL" smtClean="0"/>
-              <a:t>15-1-2021</a:t>
+              <a:t>17-01-2021</a:t>
             </a:fld>
             <a:endParaRPr lang="nl-NL"/>
           </a:p>
@@ -810,7 +816,7 @@
           <a:p>
             <a:fld id="{99B1010E-1963-4272-B589-7CFD5FDDE5FB}" type="datetimeFigureOut">
               <a:rPr lang="nl-NL" smtClean="0"/>
-              <a:t>15-1-2021</a:t>
+              <a:t>17-01-2021</a:t>
             </a:fld>
             <a:endParaRPr lang="nl-NL"/>
           </a:p>
@@ -1018,7 +1024,7 @@
           <a:p>
             <a:fld id="{99B1010E-1963-4272-B589-7CFD5FDDE5FB}" type="datetimeFigureOut">
               <a:rPr lang="nl-NL" smtClean="0"/>
-              <a:t>15-1-2021</a:t>
+              <a:t>17-01-2021</a:t>
             </a:fld>
             <a:endParaRPr lang="nl-NL"/>
           </a:p>
@@ -1216,7 +1222,7 @@
           <a:p>
             <a:fld id="{99B1010E-1963-4272-B589-7CFD5FDDE5FB}" type="datetimeFigureOut">
               <a:rPr lang="nl-NL" smtClean="0"/>
-              <a:t>15-1-2021</a:t>
+              <a:t>17-01-2021</a:t>
             </a:fld>
             <a:endParaRPr lang="nl-NL"/>
           </a:p>
@@ -1491,7 +1497,7 @@
           <a:p>
             <a:fld id="{99B1010E-1963-4272-B589-7CFD5FDDE5FB}" type="datetimeFigureOut">
               <a:rPr lang="nl-NL" smtClean="0"/>
-              <a:t>15-1-2021</a:t>
+              <a:t>17-01-2021</a:t>
             </a:fld>
             <a:endParaRPr lang="nl-NL"/>
           </a:p>
@@ -1756,7 +1762,7 @@
           <a:p>
             <a:fld id="{99B1010E-1963-4272-B589-7CFD5FDDE5FB}" type="datetimeFigureOut">
               <a:rPr lang="nl-NL" smtClean="0"/>
-              <a:t>15-1-2021</a:t>
+              <a:t>17-01-2021</a:t>
             </a:fld>
             <a:endParaRPr lang="nl-NL"/>
           </a:p>
@@ -2168,7 +2174,7 @@
           <a:p>
             <a:fld id="{99B1010E-1963-4272-B589-7CFD5FDDE5FB}" type="datetimeFigureOut">
               <a:rPr lang="nl-NL" smtClean="0"/>
-              <a:t>15-1-2021</a:t>
+              <a:t>17-01-2021</a:t>
             </a:fld>
             <a:endParaRPr lang="nl-NL"/>
           </a:p>
@@ -2309,7 +2315,7 @@
           <a:p>
             <a:fld id="{99B1010E-1963-4272-B589-7CFD5FDDE5FB}" type="datetimeFigureOut">
               <a:rPr lang="nl-NL" smtClean="0"/>
-              <a:t>15-1-2021</a:t>
+              <a:t>17-01-2021</a:t>
             </a:fld>
             <a:endParaRPr lang="nl-NL"/>
           </a:p>
@@ -2422,7 +2428,7 @@
           <a:p>
             <a:fld id="{99B1010E-1963-4272-B589-7CFD5FDDE5FB}" type="datetimeFigureOut">
               <a:rPr lang="nl-NL" smtClean="0"/>
-              <a:t>15-1-2021</a:t>
+              <a:t>17-01-2021</a:t>
             </a:fld>
             <a:endParaRPr lang="nl-NL"/>
           </a:p>
@@ -2733,7 +2739,7 @@
           <a:p>
             <a:fld id="{99B1010E-1963-4272-B589-7CFD5FDDE5FB}" type="datetimeFigureOut">
               <a:rPr lang="nl-NL" smtClean="0"/>
-              <a:t>15-1-2021</a:t>
+              <a:t>17-01-2021</a:t>
             </a:fld>
             <a:endParaRPr lang="nl-NL"/>
           </a:p>
@@ -3021,7 +3027,7 @@
           <a:p>
             <a:fld id="{99B1010E-1963-4272-B589-7CFD5FDDE5FB}" type="datetimeFigureOut">
               <a:rPr lang="nl-NL" smtClean="0"/>
-              <a:t>15-1-2021</a:t>
+              <a:t>17-01-2021</a:t>
             </a:fld>
             <a:endParaRPr lang="nl-NL"/>
           </a:p>
@@ -3262,7 +3268,7 @@
           <a:p>
             <a:fld id="{99B1010E-1963-4272-B589-7CFD5FDDE5FB}" type="datetimeFigureOut">
               <a:rPr lang="nl-NL" smtClean="0"/>
-              <a:t>15-1-2021</a:t>
+              <a:t>17-01-2021</a:t>
             </a:fld>
             <a:endParaRPr lang="nl-NL"/>
           </a:p>
@@ -4726,65 +4732,77 @@
           <a:chExt cx="0" cy="0"/>
         </a:xfrm>
       </p:grpSpPr>
-      <p:sp>
-        <p:nvSpPr>
-          <p:cNvPr id="2" name="Titel 1">
-            <a:extLst>
-              <a:ext uri="{FF2B5EF4-FFF2-40B4-BE49-F238E27FC236}">
-                <a16:creationId xmlns:a16="http://schemas.microsoft.com/office/drawing/2014/main" id="{02A996E1-A48A-4BE0-B908-475306D43E77}"/>
-              </a:ext>
-            </a:extLst>
-          </p:cNvPr>
-          <p:cNvSpPr>
-            <a:spLocks noGrp="1"/>
-          </p:cNvSpPr>
-          <p:nvPr>
-            <p:ph type="title"/>
-          </p:nvPr>
-        </p:nvSpPr>
-        <p:spPr/>
-        <p:txBody>
-          <a:bodyPr/>
-          <a:lstStyle/>
-          <a:p>
-            <a:r>
-              <a:rPr lang="nl-NL" dirty="0"/>
-              <a:t>2.2 Voorbeeld EnemyAttacker</a:t>
-            </a:r>
-          </a:p>
-        </p:txBody>
-      </p:sp>
       <p:pic>
         <p:nvPicPr>
-          <p:cNvPr id="5" name="Tijdelijke aanduiding voor inhoud 4">
-            <a:extLst>
-              <a:ext uri="{FF2B5EF4-FFF2-40B4-BE49-F238E27FC236}">
-                <a16:creationId xmlns:a16="http://schemas.microsoft.com/office/drawing/2014/main" id="{6E64C901-CCD7-44E1-8FCB-D004A313C5F6}"/>
+          <p:cNvPr id="14" name="Afbeelding 13">
+            <a:extLst>
+              <a:ext uri="{FF2B5EF4-FFF2-40B4-BE49-F238E27FC236}">
+                <a16:creationId xmlns:a16="http://schemas.microsoft.com/office/drawing/2014/main" id="{42049A44-26E3-764E-990E-ACF513AEB8FC}"/>
               </a:ext>
             </a:extLst>
           </p:cNvPr>
           <p:cNvPicPr>
-            <a:picLocks noGrp="1" noChangeAspect="1"/>
+            <a:picLocks noChangeAspect="1"/>
           </p:cNvPicPr>
-          <p:nvPr>
-            <p:ph idx="1"/>
-          </p:nvPr>
+          <p:nvPr/>
         </p:nvPicPr>
         <p:blipFill>
-          <a:blip r:embed="rId2"/>
+          <a:blip r:embed="rId2">
+            <a:extLst>
+              <a:ext uri="{28A0092B-C50C-407E-A947-70E740481C1C}">
+                <a14:useLocalDpi xmlns:a14="http://schemas.microsoft.com/office/drawing/2010/main" val="0"/>
+              </a:ext>
+            </a:extLst>
+          </a:blip>
           <a:stretch>
             <a:fillRect/>
           </a:stretch>
         </p:blipFill>
         <p:spPr>
           <a:xfrm>
-            <a:off x="944905" y="1846555"/>
-            <a:ext cx="10476627" cy="3982440"/>
+            <a:off x="0" y="1758989"/>
+            <a:ext cx="12192000" cy="3986784"/>
           </a:xfrm>
+          <a:prstGeom prst="rect">
+            <a:avLst/>
+          </a:prstGeom>
         </p:spPr>
       </p:pic>
       <p:sp>
         <p:nvSpPr>
+          <p:cNvPr id="2" name="Titel 1">
+            <a:extLst>
+              <a:ext uri="{FF2B5EF4-FFF2-40B4-BE49-F238E27FC236}">
+                <a16:creationId xmlns:a16="http://schemas.microsoft.com/office/drawing/2014/main" id="{02A996E1-A48A-4BE0-B908-475306D43E77}"/>
+              </a:ext>
+            </a:extLst>
+          </p:cNvPr>
+          <p:cNvSpPr>
+            <a:spLocks noGrp="1"/>
+          </p:cNvSpPr>
+          <p:nvPr>
+            <p:ph type="title"/>
+          </p:nvPr>
+        </p:nvSpPr>
+        <p:spPr/>
+        <p:txBody>
+          <a:bodyPr/>
+          <a:lstStyle/>
+          <a:p>
+            <a:r>
+              <a:rPr lang="nl-NL" dirty="0"/>
+              <a:t>2.2 Voorbeeld </a:t>
+            </a:r>
+            <a:r>
+              <a:rPr lang="nl-NL" dirty="0" err="1"/>
+              <a:t>PhoneCharger</a:t>
+            </a:r>
+            <a:endParaRPr lang="nl-NL" dirty="0"/>
+          </a:p>
+        </p:txBody>
+      </p:sp>
+      <p:sp>
+        <p:nvSpPr>
           <p:cNvPr id="6" name="Tekstvak 5">
             <a:extLst>
               <a:ext uri="{FF2B5EF4-FFF2-40B4-BE49-F238E27FC236}">
@@ -4797,7 +4815,7 @@
         </p:nvSpPr>
         <p:spPr>
           <a:xfrm>
-            <a:off x="944905" y="1637623"/>
+            <a:off x="331588" y="1664156"/>
             <a:ext cx="786414" cy="369332"/>
           </a:xfrm>
           <a:prstGeom prst="rect">
@@ -4914,7 +4932,7 @@
         </p:nvSpPr>
         <p:spPr>
           <a:xfrm>
-            <a:off x="8438773" y="3883020"/>
+            <a:off x="9420081" y="4022441"/>
             <a:ext cx="1242041" cy="369332"/>
           </a:xfrm>
           <a:prstGeom prst="rect">
@@ -4939,6 +4957,194 @@
           </a:p>
         </p:txBody>
       </p:sp>
+      <p:pic>
+        <p:nvPicPr>
+          <p:cNvPr id="1026" name="Picture 2">
+            <a:extLst>
+              <a:ext uri="{FF2B5EF4-FFF2-40B4-BE49-F238E27FC236}">
+                <a16:creationId xmlns:a16="http://schemas.microsoft.com/office/drawing/2014/main" id="{98BC79C9-01F5-E547-AB51-36C6F07F7F11}"/>
+              </a:ext>
+            </a:extLst>
+          </p:cNvPr>
+          <p:cNvPicPr>
+            <a:picLocks noChangeAspect="1" noChangeArrowheads="1"/>
+          </p:cNvPicPr>
+          <p:nvPr/>
+        </p:nvPicPr>
+        <p:blipFill>
+          <a:blip r:embed="rId3">
+            <a:extLst>
+              <a:ext uri="{28A0092B-C50C-407E-A947-70E740481C1C}">
+                <a14:useLocalDpi xmlns:a14="http://schemas.microsoft.com/office/drawing/2010/main" val="0"/>
+              </a:ext>
+            </a:extLst>
+          </a:blip>
+          <a:srcRect/>
+          <a:stretch>
+            <a:fillRect/>
+          </a:stretch>
+        </p:blipFill>
+        <p:spPr bwMode="auto">
+          <a:xfrm flipH="1">
+            <a:off x="9380514" y="1623561"/>
+            <a:ext cx="993771" cy="1183903"/>
+          </a:xfrm>
+          <a:prstGeom prst="rect">
+            <a:avLst/>
+          </a:prstGeom>
+          <a:noFill/>
+          <a:extLst>
+            <a:ext uri="{909E8E84-426E-40DD-AFC4-6F175D3DCCD1}">
+              <a14:hiddenFill xmlns:a14="http://schemas.microsoft.com/office/drawing/2010/main">
+                <a:solidFill>
+                  <a:srgbClr val="FFFFFF"/>
+                </a:solidFill>
+              </a14:hiddenFill>
+            </a:ext>
+          </a:extLst>
+        </p:spPr>
+      </p:pic>
+      <p:pic>
+        <p:nvPicPr>
+          <p:cNvPr id="1028" name="Picture 4">
+            <a:extLst>
+              <a:ext uri="{FF2B5EF4-FFF2-40B4-BE49-F238E27FC236}">
+                <a16:creationId xmlns:a16="http://schemas.microsoft.com/office/drawing/2014/main" id="{296C9E2E-84C6-0044-87EB-FA909CE819FB}"/>
+              </a:ext>
+            </a:extLst>
+          </p:cNvPr>
+          <p:cNvPicPr>
+            <a:picLocks noChangeAspect="1" noChangeArrowheads="1"/>
+          </p:cNvPicPr>
+          <p:nvPr/>
+        </p:nvPicPr>
+        <p:blipFill>
+          <a:blip r:embed="rId4">
+            <a:extLst>
+              <a:ext uri="{28A0092B-C50C-407E-A947-70E740481C1C}">
+                <a14:useLocalDpi xmlns:a14="http://schemas.microsoft.com/office/drawing/2010/main" val="0"/>
+              </a:ext>
+            </a:extLst>
+          </a:blip>
+          <a:srcRect/>
+          <a:stretch>
+            <a:fillRect/>
+          </a:stretch>
+        </p:blipFill>
+        <p:spPr bwMode="auto">
+          <a:xfrm>
+            <a:off x="10662122" y="1260194"/>
+            <a:ext cx="1242041" cy="1709230"/>
+          </a:xfrm>
+          <a:prstGeom prst="rect">
+            <a:avLst/>
+          </a:prstGeom>
+          <a:noFill/>
+          <a:extLst>
+            <a:ext uri="{909E8E84-426E-40DD-AFC4-6F175D3DCCD1}">
+              <a14:hiddenFill xmlns:a14="http://schemas.microsoft.com/office/drawing/2010/main">
+                <a:solidFill>
+                  <a:srgbClr val="FFFFFF"/>
+                </a:solidFill>
+              </a14:hiddenFill>
+            </a:ext>
+          </a:extLst>
+        </p:spPr>
+      </p:pic>
+      <p:pic>
+        <p:nvPicPr>
+          <p:cNvPr id="1032" name="Picture 8">
+            <a:extLst>
+              <a:ext uri="{FF2B5EF4-FFF2-40B4-BE49-F238E27FC236}">
+                <a16:creationId xmlns:a16="http://schemas.microsoft.com/office/drawing/2014/main" id="{94232106-98B3-3449-A0CC-FD00FF139300}"/>
+              </a:ext>
+            </a:extLst>
+          </p:cNvPr>
+          <p:cNvPicPr>
+            <a:picLocks noChangeAspect="1" noChangeArrowheads="1"/>
+          </p:cNvPicPr>
+          <p:nvPr/>
+        </p:nvPicPr>
+        <p:blipFill>
+          <a:blip r:embed="rId5">
+            <a:extLst>
+              <a:ext uri="{28A0092B-C50C-407E-A947-70E740481C1C}">
+                <a14:useLocalDpi xmlns:a14="http://schemas.microsoft.com/office/drawing/2010/main" val="0"/>
+              </a:ext>
+            </a:extLst>
+          </a:blip>
+          <a:srcRect/>
+          <a:stretch>
+            <a:fillRect/>
+          </a:stretch>
+        </p:blipFill>
+        <p:spPr bwMode="auto">
+          <a:xfrm>
+            <a:off x="8110034" y="1979151"/>
+            <a:ext cx="993771" cy="1449849"/>
+          </a:xfrm>
+          <a:prstGeom prst="rect">
+            <a:avLst/>
+          </a:prstGeom>
+          <a:noFill/>
+          <a:extLst>
+            <a:ext uri="{909E8E84-426E-40DD-AFC4-6F175D3DCCD1}">
+              <a14:hiddenFill xmlns:a14="http://schemas.microsoft.com/office/drawing/2010/main">
+                <a:solidFill>
+                  <a:srgbClr val="FFFFFF"/>
+                </a:solidFill>
+              </a14:hiddenFill>
+            </a:ext>
+          </a:extLst>
+        </p:spPr>
+      </p:pic>
+      <p:pic>
+        <p:nvPicPr>
+          <p:cNvPr id="1034" name="Picture 10">
+            <a:extLst>
+              <a:ext uri="{FF2B5EF4-FFF2-40B4-BE49-F238E27FC236}">
+                <a16:creationId xmlns:a16="http://schemas.microsoft.com/office/drawing/2014/main" id="{A135A400-25B0-FC4A-A646-5A7B3524F473}"/>
+              </a:ext>
+            </a:extLst>
+          </p:cNvPr>
+          <p:cNvPicPr>
+            <a:picLocks noChangeAspect="1" noChangeArrowheads="1"/>
+          </p:cNvPicPr>
+          <p:nvPr/>
+        </p:nvPicPr>
+        <p:blipFill>
+          <a:blip r:embed="rId6">
+            <a:extLst>
+              <a:ext uri="{28A0092B-C50C-407E-A947-70E740481C1C}">
+                <a14:useLocalDpi xmlns:a14="http://schemas.microsoft.com/office/drawing/2010/main" val="0"/>
+              </a:ext>
+            </a:extLst>
+          </a:blip>
+          <a:srcRect/>
+          <a:stretch>
+            <a:fillRect/>
+          </a:stretch>
+        </p:blipFill>
+        <p:spPr bwMode="auto">
+          <a:xfrm>
+            <a:off x="7504588" y="585287"/>
+            <a:ext cx="1325563" cy="1325563"/>
+          </a:xfrm>
+          <a:prstGeom prst="rect">
+            <a:avLst/>
+          </a:prstGeom>
+          <a:noFill/>
+          <a:extLst>
+            <a:ext uri="{909E8E84-426E-40DD-AFC4-6F175D3DCCD1}">
+              <a14:hiddenFill xmlns:a14="http://schemas.microsoft.com/office/drawing/2010/main">
+                <a:solidFill>
+                  <a:srgbClr val="FFFFFF"/>
+                </a:solidFill>
+              </a14:hiddenFill>
+            </a:ext>
+          </a:extLst>
+        </p:spPr>
+      </p:pic>
     </p:spTree>
     <p:extLst>
       <p:ext uri="{BB962C8B-B14F-4D97-AF65-F5344CB8AC3E}">
@@ -4969,6 +5175,392 @@
           <a:chExt cx="0" cy="0"/>
         </a:xfrm>
       </p:grpSpPr>
+      <p:pic>
+        <p:nvPicPr>
+          <p:cNvPr id="16" name="Afbeelding 15">
+            <a:extLst>
+              <a:ext uri="{FF2B5EF4-FFF2-40B4-BE49-F238E27FC236}">
+                <a16:creationId xmlns:a16="http://schemas.microsoft.com/office/drawing/2014/main" id="{7CDA2AC5-A679-E346-B1EA-719B34D1FC57}"/>
+              </a:ext>
+            </a:extLst>
+          </p:cNvPr>
+          <p:cNvPicPr>
+            <a:picLocks noChangeAspect="1"/>
+          </p:cNvPicPr>
+          <p:nvPr/>
+        </p:nvPicPr>
+        <p:blipFill>
+          <a:blip r:embed="rId2"/>
+          <a:stretch>
+            <a:fillRect/>
+          </a:stretch>
+        </p:blipFill>
+        <p:spPr>
+          <a:xfrm>
+            <a:off x="6264273" y="4547545"/>
+            <a:ext cx="1905000" cy="773013"/>
+          </a:xfrm>
+          <a:prstGeom prst="rect">
+            <a:avLst/>
+          </a:prstGeom>
+        </p:spPr>
+      </p:pic>
+      <p:pic>
+        <p:nvPicPr>
+          <p:cNvPr id="15" name="Afbeelding 14">
+            <a:extLst>
+              <a:ext uri="{FF2B5EF4-FFF2-40B4-BE49-F238E27FC236}">
+                <a16:creationId xmlns:a16="http://schemas.microsoft.com/office/drawing/2014/main" id="{DF25A4EC-D774-034F-979B-2A8B1EB965DD}"/>
+              </a:ext>
+            </a:extLst>
+          </p:cNvPr>
+          <p:cNvPicPr>
+            <a:picLocks noChangeAspect="1"/>
+          </p:cNvPicPr>
+          <p:nvPr/>
+        </p:nvPicPr>
+        <p:blipFill>
+          <a:blip r:embed="rId3"/>
+          <a:stretch>
+            <a:fillRect/>
+          </a:stretch>
+        </p:blipFill>
+        <p:spPr>
+          <a:xfrm rot="10800000">
+            <a:off x="3701057" y="587756"/>
+            <a:ext cx="679311" cy="1747200"/>
+          </a:xfrm>
+          <a:prstGeom prst="rect">
+            <a:avLst/>
+          </a:prstGeom>
+        </p:spPr>
+      </p:pic>
+      <p:pic>
+        <p:nvPicPr>
+          <p:cNvPr id="10" name="Afbeelding 9">
+            <a:extLst>
+              <a:ext uri="{FF2B5EF4-FFF2-40B4-BE49-F238E27FC236}">
+                <a16:creationId xmlns:a16="http://schemas.microsoft.com/office/drawing/2014/main" id="{E154FF2B-9881-F944-800F-9471DBF20F6B}"/>
+              </a:ext>
+            </a:extLst>
+          </p:cNvPr>
+          <p:cNvPicPr>
+            <a:picLocks noChangeAspect="1"/>
+          </p:cNvPicPr>
+          <p:nvPr/>
+        </p:nvPicPr>
+        <p:blipFill>
+          <a:blip r:embed="rId3"/>
+          <a:stretch>
+            <a:fillRect/>
+          </a:stretch>
+        </p:blipFill>
+        <p:spPr>
+          <a:xfrm>
+            <a:off x="4380368" y="2800345"/>
+            <a:ext cx="679311" cy="1747200"/>
+          </a:xfrm>
+          <a:prstGeom prst="rect">
+            <a:avLst/>
+          </a:prstGeom>
+        </p:spPr>
+      </p:pic>
+      <p:pic>
+        <p:nvPicPr>
+          <p:cNvPr id="5" name="Afbeelding 4">
+            <a:extLst>
+              <a:ext uri="{FF2B5EF4-FFF2-40B4-BE49-F238E27FC236}">
+                <a16:creationId xmlns:a16="http://schemas.microsoft.com/office/drawing/2014/main" id="{E85C090D-2DEC-4043-B6B9-BC61FA126DD3}"/>
+              </a:ext>
+            </a:extLst>
+          </p:cNvPr>
+          <p:cNvPicPr>
+            <a:picLocks noChangeAspect="1"/>
+          </p:cNvPicPr>
+          <p:nvPr/>
+        </p:nvPicPr>
+        <p:blipFill>
+          <a:blip r:embed="rId4">
+            <a:extLst>
+              <a:ext uri="{28A0092B-C50C-407E-A947-70E740481C1C}">
+                <a14:useLocalDpi xmlns:a14="http://schemas.microsoft.com/office/drawing/2010/main" val="0"/>
+              </a:ext>
+            </a:extLst>
+          </a:blip>
+          <a:stretch>
+            <a:fillRect/>
+          </a:stretch>
+        </p:blipFill>
+        <p:spPr>
+          <a:xfrm>
+            <a:off x="2992894" y="1995680"/>
+            <a:ext cx="3694430" cy="1143262"/>
+          </a:xfrm>
+          <a:prstGeom prst="rect">
+            <a:avLst/>
+          </a:prstGeom>
+        </p:spPr>
+      </p:pic>
+      <p:pic>
+        <p:nvPicPr>
+          <p:cNvPr id="9" name="Afbeelding 8" descr="Afbeelding met tekst&#10;&#10;Automatisch gegenereerde beschrijving">
+            <a:extLst>
+              <a:ext uri="{FF2B5EF4-FFF2-40B4-BE49-F238E27FC236}">
+                <a16:creationId xmlns:a16="http://schemas.microsoft.com/office/drawing/2014/main" id="{E302DE83-B015-114A-B7EC-94E1601B6B65}"/>
+              </a:ext>
+            </a:extLst>
+          </p:cNvPr>
+          <p:cNvPicPr>
+            <a:picLocks noChangeAspect="1"/>
+          </p:cNvPicPr>
+          <p:nvPr/>
+        </p:nvPicPr>
+        <p:blipFill>
+          <a:blip r:embed="rId5">
+            <a:extLst>
+              <a:ext uri="{28A0092B-C50C-407E-A947-70E740481C1C}">
+                <a14:useLocalDpi xmlns:a14="http://schemas.microsoft.com/office/drawing/2010/main" val="0"/>
+              </a:ext>
+            </a:extLst>
+          </a:blip>
+          <a:stretch>
+            <a:fillRect/>
+          </a:stretch>
+        </p:blipFill>
+        <p:spPr>
+          <a:xfrm>
+            <a:off x="1259066" y="3680530"/>
+            <a:ext cx="5428258" cy="2219960"/>
+          </a:xfrm>
+          <a:prstGeom prst="rect">
+            <a:avLst/>
+          </a:prstGeom>
+        </p:spPr>
+      </p:pic>
+      <p:pic>
+        <p:nvPicPr>
+          <p:cNvPr id="12" name="Afbeelding 11" descr="Afbeelding met tekst&#10;&#10;Automatisch gegenereerde beschrijving">
+            <a:extLst>
+              <a:ext uri="{FF2B5EF4-FFF2-40B4-BE49-F238E27FC236}">
+                <a16:creationId xmlns:a16="http://schemas.microsoft.com/office/drawing/2014/main" id="{27B93B57-8516-5A4D-A747-DE33407ADFEE}"/>
+              </a:ext>
+            </a:extLst>
+          </p:cNvPr>
+          <p:cNvPicPr>
+            <a:picLocks noChangeAspect="1"/>
+          </p:cNvPicPr>
+          <p:nvPr/>
+        </p:nvPicPr>
+        <p:blipFill>
+          <a:blip r:embed="rId6">
+            <a:extLst>
+              <a:ext uri="{28A0092B-C50C-407E-A947-70E740481C1C}">
+                <a14:useLocalDpi xmlns:a14="http://schemas.microsoft.com/office/drawing/2010/main" val="0"/>
+              </a:ext>
+            </a:extLst>
+          </a:blip>
+          <a:stretch>
+            <a:fillRect/>
+          </a:stretch>
+        </p:blipFill>
+        <p:spPr>
+          <a:xfrm>
+            <a:off x="7616219" y="4198943"/>
+            <a:ext cx="4140974" cy="1183135"/>
+          </a:xfrm>
+          <a:prstGeom prst="rect">
+            <a:avLst/>
+          </a:prstGeom>
+        </p:spPr>
+      </p:pic>
+      <p:pic>
+        <p:nvPicPr>
+          <p:cNvPr id="14" name="Afbeelding 13" descr="Afbeelding met tekst&#10;&#10;Automatisch gegenereerde beschrijving">
+            <a:extLst>
+              <a:ext uri="{FF2B5EF4-FFF2-40B4-BE49-F238E27FC236}">
+                <a16:creationId xmlns:a16="http://schemas.microsoft.com/office/drawing/2014/main" id="{BA8F5A6C-AEC0-8B4D-AFC1-CAB5913DB50D}"/>
+              </a:ext>
+            </a:extLst>
+          </p:cNvPr>
+          <p:cNvPicPr>
+            <a:picLocks noChangeAspect="1"/>
+          </p:cNvPicPr>
+          <p:nvPr/>
+        </p:nvPicPr>
+        <p:blipFill>
+          <a:blip r:embed="rId7">
+            <a:extLst>
+              <a:ext uri="{28A0092B-C50C-407E-A947-70E740481C1C}">
+                <a14:useLocalDpi xmlns:a14="http://schemas.microsoft.com/office/drawing/2010/main" val="0"/>
+              </a:ext>
+            </a:extLst>
+          </a:blip>
+          <a:stretch>
+            <a:fillRect/>
+          </a:stretch>
+        </p:blipFill>
+        <p:spPr>
+          <a:xfrm>
+            <a:off x="182470" y="268359"/>
+            <a:ext cx="4657639" cy="1357369"/>
+          </a:xfrm>
+          <a:prstGeom prst="rect">
+            <a:avLst/>
+          </a:prstGeom>
+        </p:spPr>
+      </p:pic>
+      <p:pic>
+        <p:nvPicPr>
+          <p:cNvPr id="18" name="Afbeelding 17" descr="Afbeelding met tekst&#10;&#10;Automatisch gegenereerde beschrijving">
+            <a:extLst>
+              <a:ext uri="{FF2B5EF4-FFF2-40B4-BE49-F238E27FC236}">
+                <a16:creationId xmlns:a16="http://schemas.microsoft.com/office/drawing/2014/main" id="{77AA2F60-E37B-1F4E-9E3F-D07AA92A633A}"/>
+              </a:ext>
+            </a:extLst>
+          </p:cNvPr>
+          <p:cNvPicPr>
+            <a:picLocks noChangeAspect="1"/>
+          </p:cNvPicPr>
+          <p:nvPr/>
+        </p:nvPicPr>
+        <p:blipFill>
+          <a:blip r:embed="rId8">
+            <a:extLst>
+              <a:ext uri="{28A0092B-C50C-407E-A947-70E740481C1C}">
+                <a14:useLocalDpi xmlns:a14="http://schemas.microsoft.com/office/drawing/2010/main" val="0"/>
+              </a:ext>
+            </a:extLst>
+          </a:blip>
+          <a:stretch>
+            <a:fillRect/>
+          </a:stretch>
+        </p:blipFill>
+        <p:spPr>
+          <a:xfrm>
+            <a:off x="7608635" y="261545"/>
+            <a:ext cx="4324695" cy="994799"/>
+          </a:xfrm>
+          <a:prstGeom prst="rect">
+            <a:avLst/>
+          </a:prstGeom>
+        </p:spPr>
+      </p:pic>
+      <p:pic>
+        <p:nvPicPr>
+          <p:cNvPr id="20" name="Afbeelding 19" descr="Afbeelding met tekst&#10;&#10;Automatisch gegenereerde beschrijving">
+            <a:extLst>
+              <a:ext uri="{FF2B5EF4-FFF2-40B4-BE49-F238E27FC236}">
+                <a16:creationId xmlns:a16="http://schemas.microsoft.com/office/drawing/2014/main" id="{8AC3B813-BCF3-D047-9FCA-F9A5B00442A7}"/>
+              </a:ext>
+            </a:extLst>
+          </p:cNvPr>
+          <p:cNvPicPr>
+            <a:picLocks noChangeAspect="1"/>
+          </p:cNvPicPr>
+          <p:nvPr/>
+        </p:nvPicPr>
+        <p:blipFill>
+          <a:blip r:embed="rId9">
+            <a:extLst>
+              <a:ext uri="{28A0092B-C50C-407E-A947-70E740481C1C}">
+                <a14:useLocalDpi xmlns:a14="http://schemas.microsoft.com/office/drawing/2010/main" val="0"/>
+              </a:ext>
+            </a:extLst>
+          </a:blip>
+          <a:stretch>
+            <a:fillRect/>
+          </a:stretch>
+        </p:blipFill>
+        <p:spPr>
+          <a:xfrm>
+            <a:off x="7659234" y="1312031"/>
+            <a:ext cx="4090271" cy="1054117"/>
+          </a:xfrm>
+          <a:prstGeom prst="rect">
+            <a:avLst/>
+          </a:prstGeom>
+        </p:spPr>
+      </p:pic>
+      <p:sp>
+        <p:nvSpPr>
+          <p:cNvPr id="21" name="Rechthoek 20">
+            <a:extLst>
+              <a:ext uri="{FF2B5EF4-FFF2-40B4-BE49-F238E27FC236}">
+                <a16:creationId xmlns:a16="http://schemas.microsoft.com/office/drawing/2014/main" id="{4DCAC5BA-A13E-DE4A-919F-0FCD88AE11F2}"/>
+              </a:ext>
+            </a:extLst>
+          </p:cNvPr>
+          <p:cNvSpPr/>
+          <p:nvPr/>
+        </p:nvSpPr>
+        <p:spPr>
+          <a:xfrm>
+            <a:off x="7608635" y="137161"/>
+            <a:ext cx="4413514" cy="2377440"/>
+          </a:xfrm>
+          <a:prstGeom prst="rect">
+            <a:avLst/>
+          </a:prstGeom>
+          <a:noFill/>
+          <a:ln>
+            <a:solidFill>
+              <a:srgbClr val="FFFF00"/>
+            </a:solidFill>
+          </a:ln>
+        </p:spPr>
+        <p:style>
+          <a:lnRef idx="2">
+            <a:schemeClr val="accent6"/>
+          </a:lnRef>
+          <a:fillRef idx="1">
+            <a:schemeClr val="lt1"/>
+          </a:fillRef>
+          <a:effectRef idx="0">
+            <a:schemeClr val="accent6"/>
+          </a:effectRef>
+          <a:fontRef idx="minor">
+            <a:schemeClr val="dk1"/>
+          </a:fontRef>
+        </p:style>
+        <p:txBody>
+          <a:bodyPr rtlCol="0" anchor="ctr"/>
+          <a:lstStyle/>
+          <a:p>
+            <a:pPr algn="ctr"/>
+            <a:endParaRPr lang="nl-NL"/>
+          </a:p>
+        </p:txBody>
+      </p:sp>
+    </p:spTree>
+    <p:extLst>
+      <p:ext uri="{BB962C8B-B14F-4D97-AF65-F5344CB8AC3E}">
+        <p14:creationId xmlns:p14="http://schemas.microsoft.com/office/powerpoint/2010/main" val="3006489227"/>
+      </p:ext>
+    </p:extLst>
+  </p:cSld>
+  <p:clrMapOvr>
+    <a:masterClrMapping/>
+  </p:clrMapOvr>
+</p:sld>
+</file>
+
+<file path=ppt/slides/slide7.xml><?xml version="1.0" encoding="utf-8"?>
+<p:sld xmlns:a="http://schemas.openxmlformats.org/drawingml/2006/main" xmlns:r="http://schemas.openxmlformats.org/officeDocument/2006/relationships" xmlns:p="http://schemas.openxmlformats.org/presentationml/2006/main">
+  <p:cSld>
+    <p:spTree>
+      <p:nvGrpSpPr>
+        <p:cNvPr id="1" name=""/>
+        <p:cNvGrpSpPr/>
+        <p:nvPr/>
+      </p:nvGrpSpPr>
+      <p:grpSpPr>
+        <a:xfrm>
+          <a:off x="0" y="0"/>
+          <a:ext cx="0" cy="0"/>
+          <a:chOff x="0" y="0"/>
+          <a:chExt cx="0" cy="0"/>
+        </a:xfrm>
+      </p:grpSpPr>
       <p:sp>
         <p:nvSpPr>
           <p:cNvPr id="2" name="Titel 1">
@@ -5074,7 +5666,7 @@
 </p:sld>
 </file>
 
-<file path=ppt/slides/slide7.xml><?xml version="1.0" encoding="utf-8"?>
+<file path=ppt/slides/slide8.xml><?xml version="1.0" encoding="utf-8"?>
 <p:sld xmlns:a="http://schemas.openxmlformats.org/drawingml/2006/main" xmlns:r="http://schemas.openxmlformats.org/officeDocument/2006/relationships" xmlns:p="http://schemas.openxmlformats.org/presentationml/2006/main">
   <p:cSld>
     <p:spTree>
